--- a/Tugas Akhir.pptx
+++ b/Tugas Akhir.pptx
@@ -274,7 +274,7 @@
           <a:p>
             <a:fld id="{3E8EEE8F-B62D-4C08-9E1A-FEF948824188}" type="datetimeFigureOut">
               <a:rPr lang="en-ID" smtClean="0"/>
-              <a:t>08/06/2023</a:t>
+              <a:t>10/06/2023</a:t>
             </a:fld>
             <a:endParaRPr lang="en-ID"/>
           </a:p>
@@ -486,7 +486,7 @@
           <a:p>
             <a:fld id="{3E8EEE8F-B62D-4C08-9E1A-FEF948824188}" type="datetimeFigureOut">
               <a:rPr lang="en-ID" smtClean="0"/>
-              <a:t>08/06/2023</a:t>
+              <a:t>10/06/2023</a:t>
             </a:fld>
             <a:endParaRPr lang="en-ID"/>
           </a:p>
@@ -708,7 +708,7 @@
           <a:p>
             <a:fld id="{3E8EEE8F-B62D-4C08-9E1A-FEF948824188}" type="datetimeFigureOut">
               <a:rPr lang="en-ID" smtClean="0"/>
-              <a:t>08/06/2023</a:t>
+              <a:t>10/06/2023</a:t>
             </a:fld>
             <a:endParaRPr lang="en-ID"/>
           </a:p>
@@ -920,7 +920,7 @@
           <a:p>
             <a:fld id="{3E8EEE8F-B62D-4C08-9E1A-FEF948824188}" type="datetimeFigureOut">
               <a:rPr lang="en-ID" smtClean="0"/>
-              <a:t>08/06/2023</a:t>
+              <a:t>10/06/2023</a:t>
             </a:fld>
             <a:endParaRPr lang="en-ID"/>
           </a:p>
@@ -1208,7 +1208,7 @@
           <a:p>
             <a:fld id="{3E8EEE8F-B62D-4C08-9E1A-FEF948824188}" type="datetimeFigureOut">
               <a:rPr lang="en-ID" smtClean="0"/>
-              <a:t>08/06/2023</a:t>
+              <a:t>10/06/2023</a:t>
             </a:fld>
             <a:endParaRPr lang="en-ID"/>
           </a:p>
@@ -1488,7 +1488,7 @@
           <a:p>
             <a:fld id="{3E8EEE8F-B62D-4C08-9E1A-FEF948824188}" type="datetimeFigureOut">
               <a:rPr lang="en-ID" smtClean="0"/>
-              <a:t>08/06/2023</a:t>
+              <a:t>10/06/2023</a:t>
             </a:fld>
             <a:endParaRPr lang="en-ID"/>
           </a:p>
@@ -1915,7 +1915,7 @@
           <a:p>
             <a:fld id="{3E8EEE8F-B62D-4C08-9E1A-FEF948824188}" type="datetimeFigureOut">
               <a:rPr lang="en-ID" smtClean="0"/>
-              <a:t>08/06/2023</a:t>
+              <a:t>10/06/2023</a:t>
             </a:fld>
             <a:endParaRPr lang="en-ID"/>
           </a:p>
@@ -2069,7 +2069,7 @@
           <a:p>
             <a:fld id="{3E8EEE8F-B62D-4C08-9E1A-FEF948824188}" type="datetimeFigureOut">
               <a:rPr lang="en-ID" smtClean="0"/>
-              <a:t>08/06/2023</a:t>
+              <a:t>10/06/2023</a:t>
             </a:fld>
             <a:endParaRPr lang="en-ID"/>
           </a:p>
@@ -2194,7 +2194,7 @@
           <a:p>
             <a:fld id="{3E8EEE8F-B62D-4C08-9E1A-FEF948824188}" type="datetimeFigureOut">
               <a:rPr lang="en-ID" smtClean="0"/>
-              <a:t>08/06/2023</a:t>
+              <a:t>10/06/2023</a:t>
             </a:fld>
             <a:endParaRPr lang="en-ID"/>
           </a:p>
@@ -2519,7 +2519,7 @@
           <a:p>
             <a:fld id="{3E8EEE8F-B62D-4C08-9E1A-FEF948824188}" type="datetimeFigureOut">
               <a:rPr lang="en-ID" smtClean="0"/>
-              <a:t>08/06/2023</a:t>
+              <a:t>10/06/2023</a:t>
             </a:fld>
             <a:endParaRPr lang="en-ID"/>
           </a:p>
@@ -2820,7 +2820,7 @@
           <a:p>
             <a:fld id="{3E8EEE8F-B62D-4C08-9E1A-FEF948824188}" type="datetimeFigureOut">
               <a:rPr lang="en-ID" smtClean="0"/>
-              <a:t>08/06/2023</a:t>
+              <a:t>10/06/2023</a:t>
             </a:fld>
             <a:endParaRPr lang="en-ID"/>
           </a:p>
@@ -3084,7 +3084,7 @@
           <a:p>
             <a:fld id="{3E8EEE8F-B62D-4C08-9E1A-FEF948824188}" type="datetimeFigureOut">
               <a:rPr lang="en-ID" smtClean="0"/>
-              <a:t>08/06/2023</a:t>
+              <a:t>10/06/2023</a:t>
             </a:fld>
             <a:endParaRPr lang="en-ID"/>
           </a:p>
@@ -5262,6 +5262,48 @@
           </a:p>
         </p:txBody>
       </p:sp>
+      <p:pic>
+        <p:nvPicPr>
+          <p:cNvPr id="8" name="Picture 7">
+            <a:extLst>
+              <a:ext uri="{FF2B5EF4-FFF2-40B4-BE49-F238E27FC236}">
+                <a16:creationId xmlns:a16="http://schemas.microsoft.com/office/drawing/2014/main" id="{BE9EBCD7-780E-DDF1-C606-AC9A83746196}"/>
+              </a:ext>
+            </a:extLst>
+          </p:cNvPr>
+          <p:cNvPicPr>
+            <a:picLocks noChangeAspect="1"/>
+          </p:cNvPicPr>
+          <p:nvPr/>
+        </p:nvPicPr>
+        <p:blipFill rotWithShape="1">
+          <a:blip r:embed="rId10">
+            <a:extLst>
+              <a:ext uri="{28A0092B-C50C-407E-A947-70E740481C1C}">
+                <a14:useLocalDpi xmlns:a14="http://schemas.microsoft.com/office/drawing/2010/main" val="0"/>
+              </a:ext>
+            </a:extLst>
+          </a:blip>
+          <a:srcRect l="25010" t="12088" r="32238"/>
+          <a:stretch/>
+        </p:blipFill>
+        <p:spPr>
+          <a:xfrm>
+            <a:off x="9707442" y="3854869"/>
+            <a:ext cx="2043391" cy="2037247"/>
+          </a:xfrm>
+          <a:prstGeom prst="ellipse">
+            <a:avLst/>
+          </a:prstGeom>
+          <a:effectLst>
+            <a:outerShdw blurRad="50800" dist="38100" dir="5400000" algn="t" rotWithShape="0">
+              <a:prstClr val="black">
+                <a:alpha val="40000"/>
+              </a:prstClr>
+            </a:outerShdw>
+          </a:effectLst>
+        </p:spPr>
+      </p:pic>
     </p:spTree>
     <p:extLst>
       <p:ext uri="{BB962C8B-B14F-4D97-AF65-F5344CB8AC3E}">
@@ -10947,13 +10989,13 @@
   <p:clrMapOvr>
     <a:masterClrMapping/>
   </p:clrMapOvr>
-  <mc:AlternateContent xmlns:mc="http://schemas.openxmlformats.org/markup-compatibility/2006">
-    <mc:Choice xmlns:p159="http://schemas.microsoft.com/office/powerpoint/2015/09/main" Requires="p159">
+  <mc:AlternateContent xmlns:mc="http://schemas.openxmlformats.org/markup-compatibility/2006" xmlns:p159="http://schemas.microsoft.com/office/powerpoint/2015/09/main">
+    <mc:Choice Requires="p159">
       <p:transition xmlns:p14="http://schemas.microsoft.com/office/powerpoint/2010/main" spd="slow" p14:dur="2000">
         <p159:morph option="byObject"/>
       </p:transition>
     </mc:Choice>
-    <mc:Fallback>
+    <mc:Fallback xmlns="">
       <p:transition spd="slow">
         <p:fade/>
       </p:transition>
@@ -12020,13 +12062,13 @@
   <p:clrMapOvr>
     <a:masterClrMapping/>
   </p:clrMapOvr>
-  <mc:AlternateContent xmlns:mc="http://schemas.openxmlformats.org/markup-compatibility/2006">
-    <mc:Choice xmlns:p159="http://schemas.microsoft.com/office/powerpoint/2015/09/main" Requires="p159">
+  <mc:AlternateContent xmlns:mc="http://schemas.openxmlformats.org/markup-compatibility/2006" xmlns:p159="http://schemas.microsoft.com/office/powerpoint/2015/09/main">
+    <mc:Choice Requires="p159">
       <p:transition xmlns:p14="http://schemas.microsoft.com/office/powerpoint/2010/main" spd="slow" p14:dur="2000">
         <p159:morph option="byObject"/>
       </p:transition>
     </mc:Choice>
-    <mc:Fallback>
+    <mc:Fallback xmlns="">
       <p:transition spd="slow">
         <p:fade/>
       </p:transition>
